--- a/2015/0220-good-package/element.pptx
+++ b/2015/0220-good-package/element.pptx
@@ -7,6 +7,7 @@
   <p:sldIdLst>
     <p:sldId id="256" r:id="rId2"/>
     <p:sldId id="258" r:id="rId3"/>
+    <p:sldId id="259" r:id="rId4"/>
   </p:sldIdLst>
   <p:sldSz cx="9144000" cy="6858000" type="screen4x3"/>
   <p:notesSz cx="6858000" cy="9144000"/>
@@ -4936,7 +4937,594 @@
           </p:nvSpPr>
           <p:spPr>
             <a:xfrm>
-              <a:off x="4922886" y="2305399"/>
+              <a:off x="4831080" y="2305399"/>
+              <a:ext cx="1351652" cy="369332"/>
+            </a:xfrm>
+            <a:prstGeom prst="rect">
+              <a:avLst/>
+            </a:prstGeom>
+            <a:noFill/>
+          </p:spPr>
+          <p:txBody>
+            <a:bodyPr wrap="none" rtlCol="0">
+              <a:spAutoFit/>
+            </a:bodyPr>
+            <a:lstStyle/>
+            <a:p>
+              <a:r>
+                <a:rPr kumimoji="1" lang="en-US" altLang="ja-JP" b="1" dirty="0" smtClean="0">
+                  <a:latin typeface="Helvetica"/>
+                  <a:cs typeface="Helvetica"/>
+                </a:rPr>
+                <a:t>implement</a:t>
+              </a:r>
+              <a:endParaRPr kumimoji="1" lang="ja-JP" altLang="en-US" b="1" dirty="0">
+                <a:latin typeface="Helvetica"/>
+                <a:cs typeface="Helvetica"/>
+              </a:endParaRPr>
+            </a:p>
+          </p:txBody>
+        </p:sp>
+      </p:grpSp>
+    </p:spTree>
+    <p:extLst>
+      <p:ext uri="{BB962C8B-B14F-4D97-AF65-F5344CB8AC3E}">
+        <p14:creationId xmlns:p14="http://schemas.microsoft.com/office/powerpoint/2010/main" val="2828336413"/>
+      </p:ext>
+    </p:extLst>
+  </p:cSld>
+  <p:clrMapOvr>
+    <a:masterClrMapping/>
+  </p:clrMapOvr>
+</p:sld>
+</file>
+
+<file path=ppt/slides/slide3.xml><?xml version="1.0" encoding="utf-8"?>
+<p:sld xmlns:a="http://schemas.openxmlformats.org/drawingml/2006/main" xmlns:r="http://schemas.openxmlformats.org/officeDocument/2006/relationships" xmlns:p="http://schemas.openxmlformats.org/presentationml/2006/main">
+  <p:cSld>
+    <p:spTree>
+      <p:nvGrpSpPr>
+        <p:cNvPr id="1" name=""/>
+        <p:cNvGrpSpPr/>
+        <p:nvPr/>
+      </p:nvGrpSpPr>
+      <p:grpSpPr>
+        <a:xfrm>
+          <a:off x="0" y="0"/>
+          <a:ext cx="0" cy="0"/>
+          <a:chOff x="0" y="0"/>
+          <a:chExt cx="0" cy="0"/>
+        </a:xfrm>
+      </p:grpSpPr>
+      <p:grpSp>
+        <p:nvGrpSpPr>
+          <p:cNvPr id="47" name="図形グループ 46"/>
+          <p:cNvGrpSpPr/>
+          <p:nvPr/>
+        </p:nvGrpSpPr>
+        <p:grpSpPr>
+          <a:xfrm>
+            <a:off x="53411" y="1533160"/>
+            <a:ext cx="9081022" cy="2254934"/>
+            <a:chOff x="53411" y="1533160"/>
+            <a:chExt cx="9081022" cy="2254934"/>
+          </a:xfrm>
+        </p:grpSpPr>
+        <p:sp>
+          <p:nvSpPr>
+            <p:cNvPr id="17" name="正方形/長方形 16"/>
+            <p:cNvSpPr/>
+            <p:nvPr/>
+          </p:nvSpPr>
+          <p:spPr>
+            <a:xfrm>
+              <a:off x="53411" y="1533160"/>
+              <a:ext cx="2539894" cy="549176"/>
+            </a:xfrm>
+            <a:prstGeom prst="rect">
+              <a:avLst/>
+            </a:prstGeom>
+            <a:noFill/>
+            <a:ln>
+              <a:solidFill>
+                <a:schemeClr val="tx1"/>
+              </a:solidFill>
+            </a:ln>
+            <a:effectLst/>
+          </p:spPr>
+          <p:style>
+            <a:lnRef idx="1">
+              <a:schemeClr val="accent1"/>
+            </a:lnRef>
+            <a:fillRef idx="3">
+              <a:schemeClr val="accent1"/>
+            </a:fillRef>
+            <a:effectRef idx="2">
+              <a:schemeClr val="accent1"/>
+            </a:effectRef>
+            <a:fontRef idx="minor">
+              <a:schemeClr val="lt1"/>
+            </a:fontRef>
+          </p:style>
+          <p:txBody>
+            <a:bodyPr anchor="ctr" anchorCtr="1"/>
+            <a:lstStyle/>
+            <a:p>
+              <a:pPr algn="ctr"/>
+              <a:r>
+                <a:rPr lang="en-US" altLang="ja-JP" dirty="0">
+                  <a:solidFill>
+                    <a:schemeClr val="tx1"/>
+                  </a:solidFill>
+                  <a:latin typeface="Helvetica"/>
+                  <a:cs typeface="Helvetica"/>
+                </a:rPr>
+                <a:t>t</a:t>
+              </a:r>
+              <a:r>
+                <a:rPr lang="en-US" altLang="ja-JP" dirty="0" smtClean="0">
+                  <a:solidFill>
+                    <a:schemeClr val="tx1"/>
+                  </a:solidFill>
+                  <a:latin typeface="Helvetica"/>
+                  <a:cs typeface="Helvetica"/>
+                </a:rPr>
+                <a:t>ype element interface</a:t>
+              </a:r>
+              <a:endParaRPr lang="ja-JP" altLang="en-US" dirty="0">
+                <a:solidFill>
+                  <a:schemeClr val="tx1"/>
+                </a:solidFill>
+                <a:latin typeface="Helvetica"/>
+                <a:cs typeface="Helvetica"/>
+              </a:endParaRPr>
+            </a:p>
+          </p:txBody>
+        </p:sp>
+        <p:sp>
+          <p:nvSpPr>
+            <p:cNvPr id="23" name="正方形/長方形 22"/>
+            <p:cNvSpPr/>
+            <p:nvPr/>
+          </p:nvSpPr>
+          <p:spPr>
+            <a:xfrm>
+              <a:off x="3190024" y="1533962"/>
+              <a:ext cx="2539894" cy="549176"/>
+            </a:xfrm>
+            <a:prstGeom prst="rect">
+              <a:avLst/>
+            </a:prstGeom>
+            <a:noFill/>
+            <a:ln>
+              <a:solidFill>
+                <a:schemeClr val="tx1"/>
+              </a:solidFill>
+            </a:ln>
+            <a:effectLst/>
+          </p:spPr>
+          <p:style>
+            <a:lnRef idx="1">
+              <a:schemeClr val="accent1"/>
+            </a:lnRef>
+            <a:fillRef idx="3">
+              <a:schemeClr val="accent1"/>
+            </a:fillRef>
+            <a:effectRef idx="2">
+              <a:schemeClr val="accent1"/>
+            </a:effectRef>
+            <a:fontRef idx="minor">
+              <a:schemeClr val="lt1"/>
+            </a:fontRef>
+          </p:style>
+          <p:txBody>
+            <a:bodyPr anchor="ctr" anchorCtr="1"/>
+            <a:lstStyle/>
+            <a:p>
+              <a:pPr algn="ctr"/>
+              <a:r>
+                <a:rPr lang="en-US" altLang="ja-JP" dirty="0">
+                  <a:solidFill>
+                    <a:schemeClr val="tx1"/>
+                  </a:solidFill>
+                  <a:latin typeface="Helvetica"/>
+                  <a:cs typeface="Helvetica"/>
+                </a:rPr>
+                <a:t>t</a:t>
+              </a:r>
+              <a:r>
+                <a:rPr lang="en-US" altLang="ja-JP" dirty="0" smtClean="0">
+                  <a:solidFill>
+                    <a:schemeClr val="tx1"/>
+                  </a:solidFill>
+                  <a:latin typeface="Helvetica"/>
+                  <a:cs typeface="Helvetica"/>
+                </a:rPr>
+                <a:t>ype </a:t>
+              </a:r>
+              <a:r>
+                <a:rPr lang="en-US" altLang="ja-JP" dirty="0" err="1" smtClean="0">
+                  <a:solidFill>
+                    <a:schemeClr val="tx1"/>
+                  </a:solidFill>
+                  <a:latin typeface="Helvetica"/>
+                  <a:cs typeface="Helvetica"/>
+                </a:rPr>
+                <a:t>htmlTag</a:t>
+              </a:r>
+              <a:r>
+                <a:rPr lang="en-US" altLang="ja-JP" dirty="0" smtClean="0">
+                  <a:solidFill>
+                    <a:schemeClr val="tx1"/>
+                  </a:solidFill>
+                  <a:latin typeface="Helvetica"/>
+                  <a:cs typeface="Helvetica"/>
+                </a:rPr>
+                <a:t> </a:t>
+              </a:r>
+              <a:r>
+                <a:rPr lang="en-US" altLang="ja-JP" dirty="0" err="1" smtClean="0">
+                  <a:solidFill>
+                    <a:schemeClr val="tx1"/>
+                  </a:solidFill>
+                  <a:latin typeface="Helvetica"/>
+                  <a:cs typeface="Helvetica"/>
+                </a:rPr>
+                <a:t>struct</a:t>
+              </a:r>
+              <a:endParaRPr lang="ja-JP" altLang="en-US" dirty="0">
+                <a:solidFill>
+                  <a:schemeClr val="tx1"/>
+                </a:solidFill>
+                <a:latin typeface="Helvetica"/>
+                <a:cs typeface="Helvetica"/>
+              </a:endParaRPr>
+            </a:p>
+          </p:txBody>
+        </p:sp>
+        <p:sp>
+          <p:nvSpPr>
+            <p:cNvPr id="24" name="正方形/長方形 23"/>
+            <p:cNvSpPr/>
+            <p:nvPr/>
+          </p:nvSpPr>
+          <p:spPr>
+            <a:xfrm>
+              <a:off x="3190024" y="2200972"/>
+              <a:ext cx="2539894" cy="549176"/>
+            </a:xfrm>
+            <a:prstGeom prst="rect">
+              <a:avLst/>
+            </a:prstGeom>
+            <a:noFill/>
+            <a:ln>
+              <a:solidFill>
+                <a:schemeClr val="tx1"/>
+              </a:solidFill>
+            </a:ln>
+            <a:effectLst/>
+          </p:spPr>
+          <p:style>
+            <a:lnRef idx="1">
+              <a:schemeClr val="accent1"/>
+            </a:lnRef>
+            <a:fillRef idx="3">
+              <a:schemeClr val="accent1"/>
+            </a:fillRef>
+            <a:effectRef idx="2">
+              <a:schemeClr val="accent1"/>
+            </a:effectRef>
+            <a:fontRef idx="minor">
+              <a:schemeClr val="lt1"/>
+            </a:fontRef>
+          </p:style>
+          <p:txBody>
+            <a:bodyPr anchor="ctr" anchorCtr="1"/>
+            <a:lstStyle/>
+            <a:p>
+              <a:pPr algn="ctr"/>
+              <a:r>
+                <a:rPr lang="en-US" altLang="ja-JP" dirty="0">
+                  <a:solidFill>
+                    <a:schemeClr val="tx1"/>
+                  </a:solidFill>
+                  <a:latin typeface="Helvetica"/>
+                  <a:cs typeface="Helvetica"/>
+                </a:rPr>
+                <a:t>t</a:t>
+              </a:r>
+              <a:r>
+                <a:rPr lang="en-US" altLang="ja-JP" dirty="0" smtClean="0">
+                  <a:solidFill>
+                    <a:schemeClr val="tx1"/>
+                  </a:solidFill>
+                  <a:latin typeface="Helvetica"/>
+                  <a:cs typeface="Helvetica"/>
+                </a:rPr>
+                <a:t>ype include </a:t>
+              </a:r>
+              <a:r>
+                <a:rPr lang="en-US" altLang="ja-JP" dirty="0" err="1" smtClean="0">
+                  <a:solidFill>
+                    <a:schemeClr val="tx1"/>
+                  </a:solidFill>
+                  <a:latin typeface="Helvetica"/>
+                  <a:cs typeface="Helvetica"/>
+                </a:rPr>
+                <a:t>struct</a:t>
+              </a:r>
+              <a:endParaRPr lang="ja-JP" altLang="en-US" dirty="0">
+                <a:solidFill>
+                  <a:schemeClr val="tx1"/>
+                </a:solidFill>
+                <a:latin typeface="Helvetica"/>
+                <a:cs typeface="Helvetica"/>
+              </a:endParaRPr>
+            </a:p>
+          </p:txBody>
+        </p:sp>
+        <p:sp>
+          <p:nvSpPr>
+            <p:cNvPr id="26" name="正方形/長方形 25"/>
+            <p:cNvSpPr/>
+            <p:nvPr/>
+          </p:nvSpPr>
+          <p:spPr>
+            <a:xfrm>
+              <a:off x="3190024" y="2859908"/>
+              <a:ext cx="2539894" cy="549176"/>
+            </a:xfrm>
+            <a:prstGeom prst="rect">
+              <a:avLst/>
+            </a:prstGeom>
+            <a:noFill/>
+            <a:ln>
+              <a:solidFill>
+                <a:schemeClr val="tx1"/>
+              </a:solidFill>
+            </a:ln>
+            <a:effectLst/>
+          </p:spPr>
+          <p:style>
+            <a:lnRef idx="1">
+              <a:schemeClr val="accent1"/>
+            </a:lnRef>
+            <a:fillRef idx="3">
+              <a:schemeClr val="accent1"/>
+            </a:fillRef>
+            <a:effectRef idx="2">
+              <a:schemeClr val="accent1"/>
+            </a:effectRef>
+            <a:fontRef idx="minor">
+              <a:schemeClr val="lt1"/>
+            </a:fontRef>
+          </p:style>
+          <p:txBody>
+            <a:bodyPr anchor="ctr" anchorCtr="1"/>
+            <a:lstStyle/>
+            <a:p>
+              <a:pPr algn="ctr"/>
+              <a:r>
+                <a:rPr lang="en-US" altLang="ja-JP" dirty="0">
+                  <a:solidFill>
+                    <a:schemeClr val="tx1"/>
+                  </a:solidFill>
+                  <a:latin typeface="Helvetica"/>
+                  <a:cs typeface="Helvetica"/>
+                </a:rPr>
+                <a:t>t</a:t>
+              </a:r>
+              <a:r>
+                <a:rPr lang="en-US" altLang="ja-JP" dirty="0" smtClean="0">
+                  <a:solidFill>
+                    <a:schemeClr val="tx1"/>
+                  </a:solidFill>
+                  <a:latin typeface="Helvetica"/>
+                  <a:cs typeface="Helvetica"/>
+                </a:rPr>
+                <a:t>ype </a:t>
+              </a:r>
+              <a:r>
+                <a:rPr lang="en-US" altLang="ja-JP" dirty="0" err="1" smtClean="0">
+                  <a:solidFill>
+                    <a:schemeClr val="tx1"/>
+                  </a:solidFill>
+                  <a:latin typeface="Helvetica"/>
+                  <a:cs typeface="Helvetica"/>
+                </a:rPr>
+                <a:t>jsHelper</a:t>
+              </a:r>
+              <a:r>
+                <a:rPr lang="en-US" altLang="ja-JP" dirty="0" smtClean="0">
+                  <a:solidFill>
+                    <a:schemeClr val="tx1"/>
+                  </a:solidFill>
+                  <a:latin typeface="Helvetica"/>
+                  <a:cs typeface="Helvetica"/>
+                </a:rPr>
+                <a:t> </a:t>
+              </a:r>
+              <a:r>
+                <a:rPr lang="en-US" altLang="ja-JP" dirty="0" err="1" smtClean="0">
+                  <a:solidFill>
+                    <a:schemeClr val="tx1"/>
+                  </a:solidFill>
+                  <a:latin typeface="Helvetica"/>
+                  <a:cs typeface="Helvetica"/>
+                </a:rPr>
+                <a:t>struct</a:t>
+              </a:r>
+              <a:endParaRPr lang="ja-JP" altLang="en-US" dirty="0">
+                <a:solidFill>
+                  <a:schemeClr val="tx1"/>
+                </a:solidFill>
+                <a:latin typeface="Helvetica"/>
+                <a:cs typeface="Helvetica"/>
+              </a:endParaRPr>
+            </a:p>
+          </p:txBody>
+        </p:sp>
+        <p:cxnSp>
+          <p:nvCxnSpPr>
+            <p:cNvPr id="27" name="直線コネクタ 26"/>
+            <p:cNvCxnSpPr>
+              <a:stCxn id="17" idx="3"/>
+              <a:endCxn id="23" idx="1"/>
+            </p:cNvCxnSpPr>
+            <p:nvPr/>
+          </p:nvCxnSpPr>
+          <p:spPr>
+            <a:xfrm>
+              <a:off x="2593305" y="1807748"/>
+              <a:ext cx="596719" cy="802"/>
+            </a:xfrm>
+            <a:prstGeom prst="line">
+              <a:avLst/>
+            </a:prstGeom>
+            <a:ln>
+              <a:solidFill>
+                <a:schemeClr val="tx1"/>
+              </a:solidFill>
+              <a:prstDash val="solid"/>
+              <a:tailEnd type="triangle" w="lg" len="lg"/>
+            </a:ln>
+            <a:effectLst/>
+          </p:spPr>
+          <p:style>
+            <a:lnRef idx="2">
+              <a:schemeClr val="accent1"/>
+            </a:lnRef>
+            <a:fillRef idx="0">
+              <a:schemeClr val="accent1"/>
+            </a:fillRef>
+            <a:effectRef idx="1">
+              <a:schemeClr val="accent1"/>
+            </a:effectRef>
+            <a:fontRef idx="minor">
+              <a:schemeClr val="tx1"/>
+            </a:fontRef>
+          </p:style>
+        </p:cxnSp>
+        <p:cxnSp>
+          <p:nvCxnSpPr>
+            <p:cNvPr id="29" name="直線コネクタ 28"/>
+            <p:cNvCxnSpPr>
+              <a:stCxn id="17" idx="3"/>
+              <a:endCxn id="24" idx="1"/>
+            </p:cNvCxnSpPr>
+            <p:nvPr/>
+          </p:nvCxnSpPr>
+          <p:spPr>
+            <a:xfrm>
+              <a:off x="2593305" y="1807748"/>
+              <a:ext cx="596719" cy="667812"/>
+            </a:xfrm>
+            <a:prstGeom prst="line">
+              <a:avLst/>
+            </a:prstGeom>
+            <a:ln>
+              <a:solidFill>
+                <a:schemeClr val="tx1"/>
+              </a:solidFill>
+              <a:prstDash val="solid"/>
+              <a:tailEnd type="triangle" w="lg" len="lg"/>
+            </a:ln>
+            <a:effectLst/>
+          </p:spPr>
+          <p:style>
+            <a:lnRef idx="2">
+              <a:schemeClr val="accent1"/>
+            </a:lnRef>
+            <a:fillRef idx="0">
+              <a:schemeClr val="accent1"/>
+            </a:fillRef>
+            <a:effectRef idx="1">
+              <a:schemeClr val="accent1"/>
+            </a:effectRef>
+            <a:fontRef idx="minor">
+              <a:schemeClr val="tx1"/>
+            </a:fontRef>
+          </p:style>
+        </p:cxnSp>
+        <p:cxnSp>
+          <p:nvCxnSpPr>
+            <p:cNvPr id="32" name="直線コネクタ 31"/>
+            <p:cNvCxnSpPr>
+              <a:stCxn id="17" idx="3"/>
+              <a:endCxn id="26" idx="1"/>
+            </p:cNvCxnSpPr>
+            <p:nvPr/>
+          </p:nvCxnSpPr>
+          <p:spPr>
+            <a:xfrm>
+              <a:off x="2593305" y="1807748"/>
+              <a:ext cx="596719" cy="1326748"/>
+            </a:xfrm>
+            <a:prstGeom prst="line">
+              <a:avLst/>
+            </a:prstGeom>
+            <a:ln>
+              <a:solidFill>
+                <a:schemeClr val="tx1"/>
+              </a:solidFill>
+              <a:prstDash val="solid"/>
+              <a:tailEnd type="triangle" w="lg" len="lg"/>
+            </a:ln>
+            <a:effectLst/>
+          </p:spPr>
+          <p:style>
+            <a:lnRef idx="2">
+              <a:schemeClr val="accent1"/>
+            </a:lnRef>
+            <a:fillRef idx="0">
+              <a:schemeClr val="accent1"/>
+            </a:fillRef>
+            <a:effectRef idx="1">
+              <a:schemeClr val="accent1"/>
+            </a:effectRef>
+            <a:fontRef idx="minor">
+              <a:schemeClr val="tx1"/>
+            </a:fontRef>
+          </p:style>
+        </p:cxnSp>
+        <p:sp>
+          <p:nvSpPr>
+            <p:cNvPr id="36" name="テキスト ボックス 35"/>
+            <p:cNvSpPr txBox="1"/>
+            <p:nvPr/>
+          </p:nvSpPr>
+          <p:spPr>
+            <a:xfrm>
+              <a:off x="4346341" y="3418762"/>
+              <a:ext cx="246432" cy="369332"/>
+            </a:xfrm>
+            <a:prstGeom prst="rect">
+              <a:avLst/>
+            </a:prstGeom>
+            <a:noFill/>
+          </p:spPr>
+          <p:txBody>
+            <a:bodyPr wrap="none" rtlCol="0">
+              <a:spAutoFit/>
+            </a:bodyPr>
+            <a:lstStyle/>
+            <a:p>
+              <a:r>
+                <a:rPr lang="en-US" altLang="ja-JP" dirty="0" smtClean="0"/>
+                <a:t>:</a:t>
+              </a:r>
+            </a:p>
+          </p:txBody>
+        </p:sp>
+        <p:sp>
+          <p:nvSpPr>
+            <p:cNvPr id="37" name="テキスト ボックス 36"/>
+            <p:cNvSpPr txBox="1"/>
+            <p:nvPr/>
+          </p:nvSpPr>
+          <p:spPr>
+            <a:xfrm>
+              <a:off x="1675269" y="2305399"/>
               <a:ext cx="1249448" cy="369332"/>
             </a:xfrm>
             <a:prstGeom prst="rect">
@@ -4964,11 +5552,274 @@
             </a:p>
           </p:txBody>
         </p:sp>
+        <p:sp>
+          <p:nvSpPr>
+            <p:cNvPr id="28" name="正方形/長方形 27"/>
+            <p:cNvSpPr/>
+            <p:nvPr/>
+          </p:nvSpPr>
+          <p:spPr>
+            <a:xfrm>
+              <a:off x="6311336" y="1533160"/>
+              <a:ext cx="2823097" cy="549176"/>
+            </a:xfrm>
+            <a:prstGeom prst="rect">
+              <a:avLst/>
+            </a:prstGeom>
+            <a:noFill/>
+            <a:ln>
+              <a:solidFill>
+                <a:schemeClr val="tx1"/>
+              </a:solidFill>
+            </a:ln>
+            <a:effectLst/>
+          </p:spPr>
+          <p:style>
+            <a:lnRef idx="1">
+              <a:schemeClr val="accent1"/>
+            </a:lnRef>
+            <a:fillRef idx="3">
+              <a:schemeClr val="accent1"/>
+            </a:fillRef>
+            <a:effectRef idx="2">
+              <a:schemeClr val="accent1"/>
+            </a:effectRef>
+            <a:fontRef idx="minor">
+              <a:schemeClr val="lt1"/>
+            </a:fontRef>
+          </p:style>
+          <p:txBody>
+            <a:bodyPr anchor="ctr" anchorCtr="1"/>
+            <a:lstStyle/>
+            <a:p>
+              <a:pPr algn="ctr"/>
+              <a:r>
+                <a:rPr lang="en-US" altLang="ja-JP" b="1" dirty="0">
+                  <a:solidFill>
+                    <a:schemeClr val="tx1"/>
+                  </a:solidFill>
+                  <a:latin typeface="Helvetica"/>
+                  <a:cs typeface="Helvetica"/>
+                </a:rPr>
+                <a:t>t</a:t>
+              </a:r>
+              <a:r>
+                <a:rPr lang="en-US" altLang="ja-JP" b="1" dirty="0" smtClean="0">
+                  <a:solidFill>
+                    <a:schemeClr val="tx1"/>
+                  </a:solidFill>
+                  <a:latin typeface="Helvetica"/>
+                  <a:cs typeface="Helvetica"/>
+                </a:rPr>
+                <a:t>ype </a:t>
+              </a:r>
+              <a:r>
+                <a:rPr lang="en-US" altLang="ja-JP" b="1" dirty="0" err="1" smtClean="0">
+                  <a:solidFill>
+                    <a:schemeClr val="tx1"/>
+                  </a:solidFill>
+                  <a:latin typeface="Helvetica"/>
+                  <a:cs typeface="Helvetica"/>
+                </a:rPr>
+                <a:t>elementBase</a:t>
+              </a:r>
+              <a:r>
+                <a:rPr lang="en-US" altLang="ja-JP" b="1" dirty="0" smtClean="0">
+                  <a:solidFill>
+                    <a:schemeClr val="tx1"/>
+                  </a:solidFill>
+                  <a:latin typeface="Helvetica"/>
+                  <a:cs typeface="Helvetica"/>
+                </a:rPr>
+                <a:t> </a:t>
+              </a:r>
+              <a:r>
+                <a:rPr lang="en-US" altLang="ja-JP" b="1" dirty="0" err="1" smtClean="0">
+                  <a:solidFill>
+                    <a:schemeClr val="tx1"/>
+                  </a:solidFill>
+                  <a:latin typeface="Helvetica"/>
+                  <a:cs typeface="Helvetica"/>
+                </a:rPr>
+                <a:t>struct</a:t>
+              </a:r>
+              <a:endParaRPr lang="ja-JP" altLang="en-US" b="1" dirty="0">
+                <a:solidFill>
+                  <a:schemeClr val="tx1"/>
+                </a:solidFill>
+                <a:latin typeface="Helvetica"/>
+                <a:cs typeface="Helvetica"/>
+              </a:endParaRPr>
+            </a:p>
+          </p:txBody>
+        </p:sp>
+        <p:cxnSp>
+          <p:nvCxnSpPr>
+            <p:cNvPr id="30" name="直線コネクタ 29"/>
+            <p:cNvCxnSpPr>
+              <a:stCxn id="23" idx="3"/>
+              <a:endCxn id="28" idx="1"/>
+            </p:cNvCxnSpPr>
+            <p:nvPr/>
+          </p:nvCxnSpPr>
+          <p:spPr>
+            <a:xfrm flipV="1">
+              <a:off x="5729918" y="1807748"/>
+              <a:ext cx="581418" cy="802"/>
+            </a:xfrm>
+            <a:prstGeom prst="line">
+              <a:avLst/>
+            </a:prstGeom>
+            <a:ln>
+              <a:solidFill>
+                <a:schemeClr val="tx1"/>
+              </a:solidFill>
+              <a:prstDash val="solid"/>
+              <a:headEnd type="triangle" w="lg" len="lg"/>
+              <a:tailEnd type="none" w="lg" len="lg"/>
+            </a:ln>
+            <a:effectLst/>
+          </p:spPr>
+          <p:style>
+            <a:lnRef idx="2">
+              <a:schemeClr val="accent1"/>
+            </a:lnRef>
+            <a:fillRef idx="0">
+              <a:schemeClr val="accent1"/>
+            </a:fillRef>
+            <a:effectRef idx="1">
+              <a:schemeClr val="accent1"/>
+            </a:effectRef>
+            <a:fontRef idx="minor">
+              <a:schemeClr val="tx1"/>
+            </a:fontRef>
+          </p:style>
+        </p:cxnSp>
+        <p:cxnSp>
+          <p:nvCxnSpPr>
+            <p:cNvPr id="31" name="直線コネクタ 30"/>
+            <p:cNvCxnSpPr>
+              <a:stCxn id="24" idx="3"/>
+              <a:endCxn id="28" idx="1"/>
+            </p:cNvCxnSpPr>
+            <p:nvPr/>
+          </p:nvCxnSpPr>
+          <p:spPr>
+            <a:xfrm flipV="1">
+              <a:off x="5729918" y="1807748"/>
+              <a:ext cx="581418" cy="667812"/>
+            </a:xfrm>
+            <a:prstGeom prst="line">
+              <a:avLst/>
+            </a:prstGeom>
+            <a:ln>
+              <a:solidFill>
+                <a:schemeClr val="tx1"/>
+              </a:solidFill>
+              <a:prstDash val="solid"/>
+              <a:headEnd type="triangle" w="lg" len="lg"/>
+              <a:tailEnd type="none" w="lg" len="lg"/>
+            </a:ln>
+            <a:effectLst/>
+          </p:spPr>
+          <p:style>
+            <a:lnRef idx="2">
+              <a:schemeClr val="accent1"/>
+            </a:lnRef>
+            <a:fillRef idx="0">
+              <a:schemeClr val="accent1"/>
+            </a:fillRef>
+            <a:effectRef idx="1">
+              <a:schemeClr val="accent1"/>
+            </a:effectRef>
+            <a:fontRef idx="minor">
+              <a:schemeClr val="tx1"/>
+            </a:fontRef>
+          </p:style>
+        </p:cxnSp>
+        <p:cxnSp>
+          <p:nvCxnSpPr>
+            <p:cNvPr id="33" name="直線コネクタ 32"/>
+            <p:cNvCxnSpPr>
+              <a:stCxn id="26" idx="3"/>
+              <a:endCxn id="28" idx="1"/>
+            </p:cNvCxnSpPr>
+            <p:nvPr/>
+          </p:nvCxnSpPr>
+          <p:spPr>
+            <a:xfrm flipV="1">
+              <a:off x="5729918" y="1807748"/>
+              <a:ext cx="581418" cy="1326748"/>
+            </a:xfrm>
+            <a:prstGeom prst="line">
+              <a:avLst/>
+            </a:prstGeom>
+            <a:ln>
+              <a:solidFill>
+                <a:schemeClr val="tx1"/>
+              </a:solidFill>
+              <a:prstDash val="solid"/>
+              <a:headEnd type="triangle" w="lg" len="lg"/>
+              <a:tailEnd type="none" w="lg" len="lg"/>
+            </a:ln>
+            <a:effectLst/>
+          </p:spPr>
+          <p:style>
+            <a:lnRef idx="2">
+              <a:schemeClr val="accent1"/>
+            </a:lnRef>
+            <a:fillRef idx="0">
+              <a:schemeClr val="accent1"/>
+            </a:fillRef>
+            <a:effectRef idx="1">
+              <a:schemeClr val="accent1"/>
+            </a:effectRef>
+            <a:fontRef idx="minor">
+              <a:schemeClr val="tx1"/>
+            </a:fontRef>
+          </p:style>
+        </p:cxnSp>
+        <p:sp>
+          <p:nvSpPr>
+            <p:cNvPr id="46" name="テキスト ボックス 45"/>
+            <p:cNvSpPr txBox="1"/>
+            <p:nvPr/>
+          </p:nvSpPr>
+          <p:spPr>
+            <a:xfrm>
+              <a:off x="5990022" y="2272119"/>
+              <a:ext cx="928672" cy="369332"/>
+            </a:xfrm>
+            <a:prstGeom prst="rect">
+              <a:avLst/>
+            </a:prstGeom>
+            <a:noFill/>
+          </p:spPr>
+          <p:txBody>
+            <a:bodyPr wrap="none" rtlCol="0">
+              <a:spAutoFit/>
+            </a:bodyPr>
+            <a:lstStyle/>
+            <a:p>
+              <a:r>
+                <a:rPr kumimoji="1" lang="en-US" altLang="ja-JP" b="1" dirty="0" smtClean="0">
+                  <a:latin typeface="Helvetica"/>
+                  <a:cs typeface="Helvetica"/>
+                </a:rPr>
+                <a:t>embed</a:t>
+              </a:r>
+              <a:endParaRPr kumimoji="1" lang="ja-JP" altLang="en-US" b="1" dirty="0">
+                <a:latin typeface="Helvetica"/>
+                <a:cs typeface="Helvetica"/>
+              </a:endParaRPr>
+            </a:p>
+          </p:txBody>
+        </p:sp>
       </p:grpSp>
     </p:spTree>
     <p:extLst>
       <p:ext uri="{BB962C8B-B14F-4D97-AF65-F5344CB8AC3E}">
-        <p14:creationId xmlns:p14="http://schemas.microsoft.com/office/powerpoint/2010/main" val="2828336413"/>
+        <p14:creationId xmlns:p14="http://schemas.microsoft.com/office/powerpoint/2010/main" val="3994724284"/>
       </p:ext>
     </p:extLst>
   </p:cSld>
